--- a/08-UnitTesting.pptx
+++ b/08-UnitTesting.pptx
@@ -5,7 +5,7 @@
     <p:sldMasterId id="2147483912" r:id="rId4"/>
   </p:sldMasterIdLst>
   <p:notesMasterIdLst>
-    <p:notesMasterId r:id="rId26"/>
+    <p:notesMasterId r:id="rId27"/>
   </p:notesMasterIdLst>
   <p:sldIdLst>
     <p:sldId id="256" r:id="rId5"/>
@@ -14,21 +14,22 @@
     <p:sldId id="313" r:id="rId8"/>
     <p:sldId id="314" r:id="rId9"/>
     <p:sldId id="322" r:id="rId10"/>
-    <p:sldId id="316" r:id="rId11"/>
-    <p:sldId id="319" r:id="rId12"/>
-    <p:sldId id="320" r:id="rId13"/>
-    <p:sldId id="321" r:id="rId14"/>
-    <p:sldId id="325" r:id="rId15"/>
-    <p:sldId id="324" r:id="rId16"/>
-    <p:sldId id="327" r:id="rId17"/>
-    <p:sldId id="317" r:id="rId18"/>
-    <p:sldId id="328" r:id="rId19"/>
-    <p:sldId id="329" r:id="rId20"/>
-    <p:sldId id="330" r:id="rId21"/>
-    <p:sldId id="323" r:id="rId22"/>
-    <p:sldId id="326" r:id="rId23"/>
-    <p:sldId id="331" r:id="rId24"/>
-    <p:sldId id="279" r:id="rId25"/>
+    <p:sldId id="332" r:id="rId11"/>
+    <p:sldId id="316" r:id="rId12"/>
+    <p:sldId id="319" r:id="rId13"/>
+    <p:sldId id="320" r:id="rId14"/>
+    <p:sldId id="321" r:id="rId15"/>
+    <p:sldId id="325" r:id="rId16"/>
+    <p:sldId id="324" r:id="rId17"/>
+    <p:sldId id="327" r:id="rId18"/>
+    <p:sldId id="317" r:id="rId19"/>
+    <p:sldId id="328" r:id="rId20"/>
+    <p:sldId id="329" r:id="rId21"/>
+    <p:sldId id="330" r:id="rId22"/>
+    <p:sldId id="323" r:id="rId23"/>
+    <p:sldId id="326" r:id="rId24"/>
+    <p:sldId id="331" r:id="rId25"/>
+    <p:sldId id="279" r:id="rId26"/>
   </p:sldIdLst>
   <p:sldSz cx="12192000" cy="6858000"/>
   <p:notesSz cx="6858000" cy="9144000"/>
@@ -138,6 +139,7 @@
             <p14:sldId id="313"/>
             <p14:sldId id="314"/>
             <p14:sldId id="322"/>
+            <p14:sldId id="332"/>
             <p14:sldId id="316"/>
             <p14:sldId id="319"/>
             <p14:sldId id="320"/>
@@ -252,7 +254,7 @@
           <a:p>
             <a:fld id="{761991DB-DEE8-4174-9435-9D9F721C6C6A}" type="datetimeFigureOut">
               <a:rPr lang="en-US"/>
-              <a:t>9/30/2014</a:t>
+              <a:t>3/9/2015</a:t>
             </a:fld>
             <a:endParaRPr lang="en-US"/>
           </a:p>
@@ -758,7 +760,7 @@
           <a:p>
             <a:fld id="{A7666ED7-631A-46AF-B451-227D0A8685A0}" type="slidenum">
               <a:rPr lang="en-US" smtClean="0"/>
-              <a:t>16</a:t>
+              <a:t>17</a:t>
             </a:fld>
             <a:endParaRPr lang="en-US"/>
           </a:p>
@@ -852,7 +854,7 @@
           <a:p>
             <a:fld id="{A7666ED7-631A-46AF-B451-227D0A8685A0}" type="slidenum">
               <a:rPr lang="en-US" smtClean="0"/>
-              <a:t>17</a:t>
+              <a:t>18</a:t>
             </a:fld>
             <a:endParaRPr lang="en-US"/>
           </a:p>
@@ -1072,7 +1074,7 @@
             <a:fld id="{5586B75A-687E-405C-8A0B-8D00578BA2C3}" type="datetimeFigureOut">
               <a:rPr lang="en-US" smtClean="0"/>
               <a:pPr/>
-              <a:t>9/30/2014</a:t>
+              <a:t>3/9/2015</a:t>
             </a:fld>
             <a:endParaRPr lang="en-US" dirty="0"/>
           </a:p>
@@ -1275,7 +1277,7 @@
           <a:p>
             <a:fld id="{5F4E5243-F52A-4D37-9694-EB26C6C31910}" type="datetimeFigureOut">
               <a:rPr lang="en-US" smtClean="0"/>
-              <a:t>9/30/2014</a:t>
+              <a:t>3/9/2015</a:t>
             </a:fld>
             <a:endParaRPr lang="en-US" dirty="0"/>
           </a:p>
@@ -1467,7 +1469,7 @@
           <a:p>
             <a:fld id="{3A77B6E1-634A-48DC-9E8B-D894023267EF}" type="datetimeFigureOut">
               <a:rPr lang="en-US" smtClean="0"/>
-              <a:t>9/30/2014</a:t>
+              <a:t>3/9/2015</a:t>
             </a:fld>
             <a:endParaRPr lang="en-US" dirty="0"/>
           </a:p>
@@ -1649,7 +1651,7 @@
           <a:p>
             <a:fld id="{7B2D3E9E-A95C-48F2-B4BF-A71542E0BE9A}" type="datetimeFigureOut">
               <a:rPr lang="en-US" smtClean="0"/>
-              <a:t>9/30/2014</a:t>
+              <a:t>3/9/2015</a:t>
             </a:fld>
             <a:endParaRPr lang="en-US" dirty="0"/>
           </a:p>
@@ -1918,7 +1920,7 @@
             <a:fld id="{5586B75A-687E-405C-8A0B-8D00578BA2C3}" type="datetimeFigureOut">
               <a:rPr lang="en-US" smtClean="0"/>
               <a:pPr/>
-              <a:t>9/30/2014</a:t>
+              <a:t>3/9/2015</a:t>
             </a:fld>
             <a:endParaRPr lang="en-US" dirty="0"/>
           </a:p>
@@ -2219,7 +2221,7 @@
           <a:p>
             <a:fld id="{F12952B5-7A2F-4CC8-B7CE-9234E21C2837}" type="datetimeFigureOut">
               <a:rPr lang="en-US" smtClean="0"/>
-              <a:t>9/30/2014</a:t>
+              <a:t>3/9/2015</a:t>
             </a:fld>
             <a:endParaRPr lang="en-US" dirty="0"/>
           </a:p>
@@ -2669,7 +2671,7 @@
           <a:p>
             <a:fld id="{CE1DA07A-9201-4B4B-BAF2-015AFA30F520}" type="datetimeFigureOut">
               <a:rPr lang="en-US" smtClean="0"/>
-              <a:t>9/30/2014</a:t>
+              <a:t>3/9/2015</a:t>
             </a:fld>
             <a:endParaRPr lang="en-US" dirty="0"/>
           </a:p>
@@ -2799,7 +2801,7 @@
           <a:p>
             <a:fld id="{73D7E00A-486F-4252-8B1D-E32645521F49}" type="datetimeFigureOut">
               <a:rPr lang="en-US" smtClean="0"/>
-              <a:t>9/30/2014</a:t>
+              <a:t>3/9/2015</a:t>
             </a:fld>
             <a:endParaRPr lang="en-US" dirty="0"/>
           </a:p>
@@ -2906,7 +2908,7 @@
           <a:p>
             <a:fld id="{8DDF5F92-E675-4B36-9A60-69A962A68675}" type="datetimeFigureOut">
               <a:rPr lang="en-US" smtClean="0"/>
-              <a:t>9/30/2014</a:t>
+              <a:t>3/9/2015</a:t>
             </a:fld>
             <a:endParaRPr lang="en-US" dirty="0"/>
           </a:p>
@@ -3274,7 +3276,7 @@
           <a:p>
             <a:fld id="{AF6E2C9B-5FA2-460D-9BE7-B0812FC2A6FF}" type="datetimeFigureOut">
               <a:rPr lang="en-US" smtClean="0"/>
-              <a:t>9/30/2014</a:t>
+              <a:t>3/9/2015</a:t>
             </a:fld>
             <a:endParaRPr lang="en-US" dirty="0"/>
           </a:p>
@@ -3604,7 +3606,7 @@
             <a:fld id="{5586B75A-687E-405C-8A0B-8D00578BA2C3}" type="datetimeFigureOut">
               <a:rPr lang="en-US" smtClean="0"/>
               <a:pPr/>
-              <a:t>9/30/2014</a:t>
+              <a:t>3/9/2015</a:t>
             </a:fld>
             <a:endParaRPr lang="en-US" dirty="0"/>
           </a:p>
@@ -3851,7 +3853,7 @@
             <a:fld id="{5586B75A-687E-405C-8A0B-8D00578BA2C3}" type="datetimeFigureOut">
               <a:rPr lang="en-US" smtClean="0"/>
               <a:pPr/>
-              <a:t>9/30/2014</a:t>
+              <a:t>3/9/2015</a:t>
             </a:fld>
             <a:endParaRPr lang="en-US" dirty="0"/>
           </a:p>
@@ -4343,13 +4345,8 @@
           <a:p>
             <a:r>
               <a:rPr lang="en-US" dirty="0" smtClean="0"/>
-              <a:t>Testing </a:t>
-            </a:r>
-            <a:r>
-              <a:rPr lang="en-US" dirty="0" smtClean="0"/>
-              <a:t>stuff to make sure they work</a:t>
-            </a:r>
-            <a:endParaRPr lang="en-US" dirty="0" smtClean="0"/>
+              <a:t>Testing stuff to make sure they work</a:t>
+            </a:r>
           </a:p>
           <a:p>
             <a:endParaRPr lang="en-US" dirty="0"/>
@@ -4418,65 +4415,42 @@
           <a:p>
             <a:r>
               <a:rPr lang="en-CA" dirty="0" smtClean="0"/>
-              <a:t>System Testing</a:t>
+              <a:t>Integration Testing</a:t>
             </a:r>
             <a:endParaRPr lang="en-CA" dirty="0"/>
           </a:p>
         </p:txBody>
       </p:sp>
-      <p:sp>
-        <p:nvSpPr>
+      <p:pic>
+        <p:nvPicPr>
           <p:cNvPr id="3" name="Content Placeholder 2"/>
-          <p:cNvSpPr>
-            <a:spLocks noGrp="1"/>
-          </p:cNvSpPr>
+          <p:cNvPicPr>
+            <a:picLocks noGrp="1" noChangeAspect="1"/>
+          </p:cNvPicPr>
           <p:nvPr>
             <p:ph idx="1"/>
           </p:nvPr>
-        </p:nvSpPr>
-        <p:spPr/>
-        <p:txBody>
-          <a:bodyPr/>
-          <a:lstStyle/>
-          <a:p>
-            <a:pPr marL="0" indent="0">
-              <a:buNone/>
-            </a:pPr>
-            <a:r>
-              <a:rPr lang="en-CA" dirty="0" smtClean="0"/>
-              <a:t>Play the Game!</a:t>
-            </a:r>
-          </a:p>
-          <a:p>
-            <a:pPr marL="0" indent="0">
-              <a:buNone/>
-            </a:pPr>
-            <a:endParaRPr lang="en-CA" dirty="0"/>
-          </a:p>
-          <a:p>
-            <a:pPr marL="0" indent="0">
-              <a:buNone/>
-            </a:pPr>
-            <a:r>
-              <a:rPr lang="en-CA" dirty="0" smtClean="0"/>
-              <a:t>Does it open?</a:t>
-            </a:r>
-          </a:p>
-          <a:p>
-            <a:pPr marL="0" indent="0">
-              <a:buNone/>
-            </a:pPr>
-            <a:r>
-              <a:rPr lang="en-CA" dirty="0" smtClean="0"/>
-              <a:t>Will it crash?</a:t>
-            </a:r>
-          </a:p>
-        </p:txBody>
-      </p:sp>
+        </p:nvPicPr>
+        <p:blipFill>
+          <a:blip r:embed="rId2"/>
+          <a:stretch>
+            <a:fillRect/>
+          </a:stretch>
+        </p:blipFill>
+        <p:spPr>
+          <a:xfrm>
+            <a:off x="3452343" y="2157731"/>
+            <a:ext cx="4671156" cy="4362990"/>
+          </a:xfrm>
+          <a:prstGeom prst="rect">
+            <a:avLst/>
+          </a:prstGeom>
+        </p:spPr>
+      </p:pic>
     </p:spTree>
     <p:extLst>
       <p:ext uri="{BB962C8B-B14F-4D97-AF65-F5344CB8AC3E}">
-        <p14:creationId xmlns:p14="http://schemas.microsoft.com/office/powerpoint/2010/main" val="555130859"/>
+        <p14:creationId xmlns:p14="http://schemas.microsoft.com/office/powerpoint/2010/main" val="1469325909"/>
       </p:ext>
     </p:extLst>
   </p:cSld>
@@ -4527,6 +4501,116 @@
           <a:lstStyle/>
           <a:p>
             <a:r>
+              <a:rPr lang="en-CA" dirty="0" smtClean="0"/>
+              <a:t>System Testing</a:t>
+            </a:r>
+            <a:endParaRPr lang="en-CA" dirty="0"/>
+          </a:p>
+        </p:txBody>
+      </p:sp>
+      <p:sp>
+        <p:nvSpPr>
+          <p:cNvPr id="3" name="Content Placeholder 2"/>
+          <p:cNvSpPr>
+            <a:spLocks noGrp="1"/>
+          </p:cNvSpPr>
+          <p:nvPr>
+            <p:ph idx="1"/>
+          </p:nvPr>
+        </p:nvSpPr>
+        <p:spPr/>
+        <p:txBody>
+          <a:bodyPr/>
+          <a:lstStyle/>
+          <a:p>
+            <a:pPr marL="0" indent="0">
+              <a:buNone/>
+            </a:pPr>
+            <a:r>
+              <a:rPr lang="en-CA" dirty="0" smtClean="0"/>
+              <a:t>Play the Game!</a:t>
+            </a:r>
+          </a:p>
+          <a:p>
+            <a:pPr marL="0" indent="0">
+              <a:buNone/>
+            </a:pPr>
+            <a:endParaRPr lang="en-CA" dirty="0"/>
+          </a:p>
+          <a:p>
+            <a:pPr marL="0" indent="0">
+              <a:buNone/>
+            </a:pPr>
+            <a:r>
+              <a:rPr lang="en-CA" dirty="0" smtClean="0"/>
+              <a:t>Does it open?</a:t>
+            </a:r>
+          </a:p>
+          <a:p>
+            <a:pPr marL="0" indent="0">
+              <a:buNone/>
+            </a:pPr>
+            <a:r>
+              <a:rPr lang="en-CA" dirty="0" smtClean="0"/>
+              <a:t>Will it crash?</a:t>
+            </a:r>
+          </a:p>
+        </p:txBody>
+      </p:sp>
+    </p:spTree>
+    <p:extLst>
+      <p:ext uri="{BB962C8B-B14F-4D97-AF65-F5344CB8AC3E}">
+        <p14:creationId xmlns:p14="http://schemas.microsoft.com/office/powerpoint/2010/main" val="555130859"/>
+      </p:ext>
+    </p:extLst>
+  </p:cSld>
+  <p:clrMapOvr>
+    <a:masterClrMapping/>
+  </p:clrMapOvr>
+  <mc:AlternateContent xmlns:mc="http://schemas.openxmlformats.org/markup-compatibility/2006" xmlns:p14="http://schemas.microsoft.com/office/powerpoint/2010/main">
+    <mc:Choice Requires="p14">
+      <p:transition p14:dur="0"/>
+    </mc:Choice>
+    <mc:Fallback xmlns="">
+      <p:transition/>
+    </mc:Fallback>
+  </mc:AlternateContent>
+</p:sld>
+</file>
+
+<file path=ppt/slides/slide12.xml><?xml version="1.0" encoding="utf-8"?>
+<p:sld xmlns:a="http://schemas.openxmlformats.org/drawingml/2006/main" xmlns:r="http://schemas.openxmlformats.org/officeDocument/2006/relationships" xmlns:p="http://schemas.openxmlformats.org/presentationml/2006/main">
+  <p:cSld>
+    <p:spTree>
+      <p:nvGrpSpPr>
+        <p:cNvPr id="1" name=""/>
+        <p:cNvGrpSpPr/>
+        <p:nvPr/>
+      </p:nvGrpSpPr>
+      <p:grpSpPr>
+        <a:xfrm>
+          <a:off x="0" y="0"/>
+          <a:ext cx="0" cy="0"/>
+          <a:chOff x="0" y="0"/>
+          <a:chExt cx="0" cy="0"/>
+        </a:xfrm>
+      </p:grpSpPr>
+      <p:sp>
+        <p:nvSpPr>
+          <p:cNvPr id="2" name="Title 1"/>
+          <p:cNvSpPr>
+            <a:spLocks noGrp="1"/>
+          </p:cNvSpPr>
+          <p:nvPr>
+            <p:ph type="title"/>
+          </p:nvPr>
+        </p:nvSpPr>
+        <p:spPr/>
+        <p:txBody>
+          <a:bodyPr/>
+          <a:lstStyle/>
+          <a:p>
+            <a:r>
               <a:rPr lang="en-CA" dirty="0" err="1" smtClean="0"/>
               <a:t>JUnit</a:t>
             </a:r>
@@ -4601,7 +4685,7 @@
 </p:sld>
 </file>
 
-<file path=ppt/slides/slide12.xml><?xml version="1.0" encoding="utf-8"?>
+<file path=ppt/slides/slide13.xml><?xml version="1.0" encoding="utf-8"?>
 <p:sld xmlns:a="http://schemas.openxmlformats.org/drawingml/2006/main" xmlns:r="http://schemas.openxmlformats.org/officeDocument/2006/relationships" xmlns:p="http://schemas.openxmlformats.org/presentationml/2006/main">
   <p:cSld>
     <p:spTree>
@@ -4714,7 +4798,7 @@
 </p:sld>
 </file>
 
-<file path=ppt/slides/slide13.xml><?xml version="1.0" encoding="utf-8"?>
+<file path=ppt/slides/slide14.xml><?xml version="1.0" encoding="utf-8"?>
 <p:sld xmlns:a="http://schemas.openxmlformats.org/drawingml/2006/main" xmlns:r="http://schemas.openxmlformats.org/officeDocument/2006/relationships" xmlns:p="http://schemas.openxmlformats.org/presentationml/2006/main">
   <p:cSld>
     <p:spTree>
@@ -4748,11 +4832,7 @@
           <a:p>
             <a:r>
               <a:rPr lang="en-CA" dirty="0" smtClean="0"/>
-              <a:t>Setting up a </a:t>
-            </a:r>
-            <a:r>
-              <a:rPr lang="en-CA" dirty="0" smtClean="0"/>
-              <a:t>Test</a:t>
+              <a:t>Setting up a Test</a:t>
             </a:r>
             <a:endParaRPr lang="en-CA" dirty="0"/>
           </a:p>
@@ -4819,18 +4899,18 @@
   <p:clrMapOvr>
     <a:masterClrMapping/>
   </p:clrMapOvr>
-  <mc:AlternateContent xmlns:mc="http://schemas.openxmlformats.org/markup-compatibility/2006">
-    <mc:Choice xmlns:p14="http://schemas.microsoft.com/office/powerpoint/2010/main" Requires="p14">
+  <mc:AlternateContent xmlns:mc="http://schemas.openxmlformats.org/markup-compatibility/2006" xmlns:p14="http://schemas.microsoft.com/office/powerpoint/2010/main">
+    <mc:Choice Requires="p14">
       <p:transition p14:dur="0"/>
     </mc:Choice>
-    <mc:Fallback>
+    <mc:Fallback xmlns="">
       <p:transition/>
     </mc:Fallback>
   </mc:AlternateContent>
 </p:sld>
 </file>
 
-<file path=ppt/slides/slide14.xml><?xml version="1.0" encoding="utf-8"?>
+<file path=ppt/slides/slide15.xml><?xml version="1.0" encoding="utf-8"?>
 <p:sld xmlns:a="http://schemas.openxmlformats.org/drawingml/2006/main" xmlns:r="http://schemas.openxmlformats.org/officeDocument/2006/relationships" xmlns:p="http://schemas.openxmlformats.org/presentationml/2006/main">
   <p:cSld>
     <p:spTree>
@@ -4864,11 +4944,7 @@
           <a:p>
             <a:r>
               <a:rPr lang="en-CA" dirty="0" smtClean="0"/>
-              <a:t>Junit </a:t>
-            </a:r>
-            <a:r>
-              <a:rPr lang="en-CA" dirty="0" smtClean="0"/>
-              <a:t>Structure</a:t>
+              <a:t>Junit Structure</a:t>
             </a:r>
             <a:endParaRPr lang="en-CA" dirty="0"/>
           </a:p>
@@ -5242,7 +5318,7 @@
 </p:sld>
 </file>
 
-<file path=ppt/slides/slide15.xml><?xml version="1.0" encoding="utf-8"?>
+<file path=ppt/slides/slide16.xml><?xml version="1.0" encoding="utf-8"?>
 <p:sld xmlns:a="http://schemas.openxmlformats.org/drawingml/2006/main" xmlns:r="http://schemas.openxmlformats.org/officeDocument/2006/relationships" xmlns:p="http://schemas.openxmlformats.org/presentationml/2006/main">
   <p:cSld>
     <p:spTree>
@@ -5343,18 +5419,18 @@
   <p:clrMapOvr>
     <a:masterClrMapping/>
   </p:clrMapOvr>
-  <mc:AlternateContent xmlns:mc="http://schemas.openxmlformats.org/markup-compatibility/2006">
-    <mc:Choice xmlns:p14="http://schemas.microsoft.com/office/powerpoint/2010/main" Requires="p14">
+  <mc:AlternateContent xmlns:mc="http://schemas.openxmlformats.org/markup-compatibility/2006" xmlns:p14="http://schemas.microsoft.com/office/powerpoint/2010/main">
+    <mc:Choice Requires="p14">
       <p:transition p14:dur="0"/>
     </mc:Choice>
-    <mc:Fallback>
+    <mc:Fallback xmlns="">
       <p:transition/>
     </mc:Fallback>
   </mc:AlternateContent>
 </p:sld>
 </file>
 
-<file path=ppt/slides/slide16.xml><?xml version="1.0" encoding="utf-8"?>
+<file path=ppt/slides/slide17.xml><?xml version="1.0" encoding="utf-8"?>
 <p:sld xmlns:a="http://schemas.openxmlformats.org/drawingml/2006/main" xmlns:r="http://schemas.openxmlformats.org/officeDocument/2006/relationships" xmlns:p="http://schemas.openxmlformats.org/presentationml/2006/main">
   <p:cSld>
     <p:spTree>
@@ -5428,18 +5504,18 @@
   <p:clrMapOvr>
     <a:masterClrMapping/>
   </p:clrMapOvr>
-  <mc:AlternateContent xmlns:mc="http://schemas.openxmlformats.org/markup-compatibility/2006">
-    <mc:Choice xmlns:p14="http://schemas.microsoft.com/office/powerpoint/2010/main" Requires="p14">
+  <mc:AlternateContent xmlns:mc="http://schemas.openxmlformats.org/markup-compatibility/2006" xmlns:p14="http://schemas.microsoft.com/office/powerpoint/2010/main">
+    <mc:Choice Requires="p14">
       <p:transition p14:dur="0"/>
     </mc:Choice>
-    <mc:Fallback>
+    <mc:Fallback xmlns="">
       <p:transition/>
     </mc:Fallback>
   </mc:AlternateContent>
 </p:sld>
 </file>
 
-<file path=ppt/slides/slide17.xml><?xml version="1.0" encoding="utf-8"?>
+<file path=ppt/slides/slide18.xml><?xml version="1.0" encoding="utf-8"?>
 <p:sld xmlns:a="http://schemas.openxmlformats.org/drawingml/2006/main" xmlns:r="http://schemas.openxmlformats.org/officeDocument/2006/relationships" xmlns:p="http://schemas.openxmlformats.org/presentationml/2006/main">
   <p:cSld>
     <p:spTree>
@@ -5513,118 +5589,6 @@
   <p:clrMapOvr>
     <a:masterClrMapping/>
   </p:clrMapOvr>
-  <mc:AlternateContent xmlns:mc="http://schemas.openxmlformats.org/markup-compatibility/2006">
-    <mc:Choice xmlns:p14="http://schemas.microsoft.com/office/powerpoint/2010/main" Requires="p14">
-      <p:transition p14:dur="0"/>
-    </mc:Choice>
-    <mc:Fallback>
-      <p:transition/>
-    </mc:Fallback>
-  </mc:AlternateContent>
-</p:sld>
-</file>
-
-<file path=ppt/slides/slide18.xml><?xml version="1.0" encoding="utf-8"?>
-<p:sld xmlns:a="http://schemas.openxmlformats.org/drawingml/2006/main" xmlns:r="http://schemas.openxmlformats.org/officeDocument/2006/relationships" xmlns:p="http://schemas.openxmlformats.org/presentationml/2006/main">
-  <p:cSld>
-    <p:spTree>
-      <p:nvGrpSpPr>
-        <p:cNvPr id="1" name=""/>
-        <p:cNvGrpSpPr/>
-        <p:nvPr/>
-      </p:nvGrpSpPr>
-      <p:grpSpPr>
-        <a:xfrm>
-          <a:off x="0" y="0"/>
-          <a:ext cx="0" cy="0"/>
-          <a:chOff x="0" y="0"/>
-          <a:chExt cx="0" cy="0"/>
-        </a:xfrm>
-      </p:grpSpPr>
-      <p:sp>
-        <p:nvSpPr>
-          <p:cNvPr id="2" name="Title 1"/>
-          <p:cNvSpPr>
-            <a:spLocks noGrp="1"/>
-          </p:cNvSpPr>
-          <p:nvPr>
-            <p:ph type="title"/>
-          </p:nvPr>
-        </p:nvSpPr>
-        <p:spPr/>
-        <p:txBody>
-          <a:bodyPr/>
-          <a:lstStyle/>
-          <a:p>
-            <a:r>
-              <a:rPr lang="en-CA" dirty="0" smtClean="0"/>
-              <a:t>Banking Example</a:t>
-            </a:r>
-            <a:endParaRPr lang="en-CA" dirty="0"/>
-          </a:p>
-        </p:txBody>
-      </p:sp>
-      <p:sp>
-        <p:nvSpPr>
-          <p:cNvPr id="3" name="Content Placeholder 2"/>
-          <p:cNvSpPr>
-            <a:spLocks noGrp="1"/>
-          </p:cNvSpPr>
-          <p:nvPr>
-            <p:ph idx="1"/>
-          </p:nvPr>
-        </p:nvSpPr>
-        <p:spPr/>
-        <p:txBody>
-          <a:bodyPr/>
-          <a:lstStyle/>
-          <a:p>
-            <a:r>
-              <a:rPr lang="en-CA" dirty="0" smtClean="0"/>
-              <a:t>Load the project and test the Account Class:</a:t>
-            </a:r>
-          </a:p>
-          <a:p>
-            <a:pPr lvl="1"/>
-            <a:r>
-              <a:rPr lang="en-CA" dirty="0" smtClean="0"/>
-              <a:t>Does the account class deposit the correct amount of money</a:t>
-            </a:r>
-          </a:p>
-          <a:p>
-            <a:pPr lvl="1"/>
-            <a:r>
-              <a:rPr lang="en-CA" dirty="0" smtClean="0"/>
-              <a:t>Does the account class withdraw the correct amount of money</a:t>
-            </a:r>
-          </a:p>
-          <a:p>
-            <a:pPr lvl="1"/>
-            <a:r>
-              <a:rPr lang="en-CA" dirty="0" smtClean="0"/>
-              <a:t>Does the account class handle null Customers</a:t>
-            </a:r>
-          </a:p>
-          <a:p>
-            <a:pPr lvl="1"/>
-            <a:r>
-              <a:rPr lang="en-CA" dirty="0" smtClean="0"/>
-              <a:t>Does the account class properly handle negative numbers</a:t>
-            </a:r>
-            <a:endParaRPr lang="en-CA" dirty="0"/>
-          </a:p>
-        </p:txBody>
-      </p:sp>
-    </p:spTree>
-    <p:extLst>
-      <p:ext uri="{BB962C8B-B14F-4D97-AF65-F5344CB8AC3E}">
-        <p14:creationId xmlns:p14="http://schemas.microsoft.com/office/powerpoint/2010/main" val="4105747896"/>
-      </p:ext>
-    </p:extLst>
-  </p:cSld>
-  <p:clrMapOvr>
-    <a:masterClrMapping/>
-  </p:clrMapOvr>
   <mc:AlternateContent xmlns:mc="http://schemas.openxmlformats.org/markup-compatibility/2006" xmlns:p14="http://schemas.microsoft.com/office/powerpoint/2010/main">
     <mc:Choice Requires="p14">
       <p:transition p14:dur="0"/>
@@ -5670,42 +5634,67 @@
           <a:p>
             <a:r>
               <a:rPr lang="en-CA" dirty="0" smtClean="0"/>
-              <a:t>Continuous Integration with Travis</a:t>
+              <a:t>Banking Example</a:t>
             </a:r>
             <a:endParaRPr lang="en-CA" dirty="0"/>
           </a:p>
         </p:txBody>
       </p:sp>
-      <p:pic>
-        <p:nvPicPr>
-          <p:cNvPr id="4" name="Content Placeholder 3"/>
-          <p:cNvPicPr>
-            <a:picLocks noGrp="1" noChangeAspect="1"/>
-          </p:cNvPicPr>
+      <p:sp>
+        <p:nvSpPr>
+          <p:cNvPr id="3" name="Content Placeholder 2"/>
+          <p:cNvSpPr>
+            <a:spLocks noGrp="1"/>
+          </p:cNvSpPr>
           <p:nvPr>
             <p:ph idx="1"/>
           </p:nvPr>
-        </p:nvPicPr>
-        <p:blipFill>
-          <a:blip r:embed="rId2"/>
-          <a:stretch>
-            <a:fillRect/>
-          </a:stretch>
-        </p:blipFill>
-        <p:spPr>
-          <a:xfrm>
-            <a:off x="970188" y="2011363"/>
-            <a:ext cx="10165899" cy="3767137"/>
-          </a:xfrm>
-          <a:prstGeom prst="rect">
-            <a:avLst/>
-          </a:prstGeom>
-        </p:spPr>
-      </p:pic>
+        </p:nvSpPr>
+        <p:spPr/>
+        <p:txBody>
+          <a:bodyPr/>
+          <a:lstStyle/>
+          <a:p>
+            <a:r>
+              <a:rPr lang="en-CA" dirty="0" smtClean="0"/>
+              <a:t>Load the project and test the Account Class:</a:t>
+            </a:r>
+          </a:p>
+          <a:p>
+            <a:pPr lvl="1"/>
+            <a:r>
+              <a:rPr lang="en-CA" dirty="0" smtClean="0"/>
+              <a:t>Does the account class deposit the correct amount of money</a:t>
+            </a:r>
+          </a:p>
+          <a:p>
+            <a:pPr lvl="1"/>
+            <a:r>
+              <a:rPr lang="en-CA" dirty="0" smtClean="0"/>
+              <a:t>Does the account class withdraw the correct amount of money</a:t>
+            </a:r>
+          </a:p>
+          <a:p>
+            <a:pPr lvl="1"/>
+            <a:r>
+              <a:rPr lang="en-CA" dirty="0" smtClean="0"/>
+              <a:t>Does the account class handle null Customers</a:t>
+            </a:r>
+          </a:p>
+          <a:p>
+            <a:pPr lvl="1"/>
+            <a:r>
+              <a:rPr lang="en-CA" dirty="0" smtClean="0"/>
+              <a:t>Does the account class properly handle negative numbers</a:t>
+            </a:r>
+            <a:endParaRPr lang="en-CA" dirty="0"/>
+          </a:p>
+        </p:txBody>
+      </p:sp>
     </p:spTree>
     <p:extLst>
       <p:ext uri="{BB962C8B-B14F-4D97-AF65-F5344CB8AC3E}">
-        <p14:creationId xmlns:p14="http://schemas.microsoft.com/office/powerpoint/2010/main" val="1381849335"/>
+        <p14:creationId xmlns:p14="http://schemas.microsoft.com/office/powerpoint/2010/main" val="4105747896"/>
       </p:ext>
     </p:extLst>
   </p:cSld>
@@ -5889,59 +5878,53 @@
           <a:p>
             <a:r>
               <a:rPr lang="en-CA" dirty="0" smtClean="0"/>
-              <a:t>Regression? Continuous integration?	</a:t>
+              <a:t>Continuous Integration with Travis</a:t>
             </a:r>
             <a:endParaRPr lang="en-CA" dirty="0"/>
           </a:p>
         </p:txBody>
       </p:sp>
-      <p:sp>
-        <p:nvSpPr>
-          <p:cNvPr id="3" name="Content Placeholder 2"/>
-          <p:cNvSpPr>
-            <a:spLocks noGrp="1"/>
-          </p:cNvSpPr>
+      <p:pic>
+        <p:nvPicPr>
+          <p:cNvPr id="4" name="Content Placeholder 3"/>
+          <p:cNvPicPr>
+            <a:picLocks noGrp="1" noChangeAspect="1"/>
+          </p:cNvPicPr>
           <p:nvPr>
             <p:ph idx="1"/>
           </p:nvPr>
-        </p:nvSpPr>
-        <p:spPr/>
-        <p:txBody>
-          <a:bodyPr/>
-          <a:lstStyle/>
-          <a:p>
-            <a:r>
-              <a:rPr lang="en-CA" dirty="0" smtClean="0"/>
-              <a:t>Regression testing is rerunning tests to make sure new code does not break old, but still relevant tests.</a:t>
-            </a:r>
-          </a:p>
-          <a:p>
-            <a:endParaRPr lang="en-CA" dirty="0"/>
-          </a:p>
-          <a:p>
-            <a:r>
-              <a:rPr lang="en-CA" dirty="0" smtClean="0"/>
-              <a:t>Continuous integration with Travis allows users to push code often and automatically run tests based on commits</a:t>
-            </a:r>
-            <a:endParaRPr lang="en-CA" dirty="0"/>
-          </a:p>
-        </p:txBody>
-      </p:sp>
+        </p:nvPicPr>
+        <p:blipFill>
+          <a:blip r:embed="rId2"/>
+          <a:stretch>
+            <a:fillRect/>
+          </a:stretch>
+        </p:blipFill>
+        <p:spPr>
+          <a:xfrm>
+            <a:off x="970188" y="2011363"/>
+            <a:ext cx="10165899" cy="3767137"/>
+          </a:xfrm>
+          <a:prstGeom prst="rect">
+            <a:avLst/>
+          </a:prstGeom>
+        </p:spPr>
+      </p:pic>
     </p:spTree>
     <p:extLst>
       <p:ext uri="{BB962C8B-B14F-4D97-AF65-F5344CB8AC3E}">
-        <p14:creationId xmlns:p14="http://schemas.microsoft.com/office/powerpoint/2010/main" val="475566089"/>
+        <p14:creationId xmlns:p14="http://schemas.microsoft.com/office/powerpoint/2010/main" val="1381849335"/>
       </p:ext>
     </p:extLst>
   </p:cSld>
   <p:clrMapOvr>
     <a:masterClrMapping/>
   </p:clrMapOvr>
-  <mc:AlternateContent xmlns:mc="http://schemas.openxmlformats.org/markup-compatibility/2006">
-    <mc:Choice xmlns:p14="http://schemas.microsoft.com/office/powerpoint/2010/main" Requires="p14">
+  <mc:AlternateContent xmlns:mc="http://schemas.openxmlformats.org/markup-compatibility/2006" xmlns:p14="http://schemas.microsoft.com/office/powerpoint/2010/main">
+    <mc:Choice Requires="p14">
       <p:transition p14:dur="0"/>
     </mc:Choice>
-    <mc:Fallback>
+    <mc:Fallback xmlns="">
       <p:transition/>
     </mc:Fallback>
   </mc:AlternateContent>
@@ -5982,6 +5965,99 @@
           <a:p>
             <a:r>
               <a:rPr lang="en-CA" dirty="0" smtClean="0"/>
+              <a:t>Regression? Continuous integration?	</a:t>
+            </a:r>
+            <a:endParaRPr lang="en-CA" dirty="0"/>
+          </a:p>
+        </p:txBody>
+      </p:sp>
+      <p:sp>
+        <p:nvSpPr>
+          <p:cNvPr id="3" name="Content Placeholder 2"/>
+          <p:cNvSpPr>
+            <a:spLocks noGrp="1"/>
+          </p:cNvSpPr>
+          <p:nvPr>
+            <p:ph idx="1"/>
+          </p:nvPr>
+        </p:nvSpPr>
+        <p:spPr/>
+        <p:txBody>
+          <a:bodyPr/>
+          <a:lstStyle/>
+          <a:p>
+            <a:r>
+              <a:rPr lang="en-CA" dirty="0" smtClean="0"/>
+              <a:t>Regression testing is rerunning tests to make sure new code does not break old, but still relevant tests.</a:t>
+            </a:r>
+          </a:p>
+          <a:p>
+            <a:endParaRPr lang="en-CA" dirty="0"/>
+          </a:p>
+          <a:p>
+            <a:r>
+              <a:rPr lang="en-CA" dirty="0" smtClean="0"/>
+              <a:t>Continuous integration with Travis allows users to push code often and automatically run tests based on commits</a:t>
+            </a:r>
+            <a:endParaRPr lang="en-CA" dirty="0"/>
+          </a:p>
+        </p:txBody>
+      </p:sp>
+    </p:spTree>
+    <p:extLst>
+      <p:ext uri="{BB962C8B-B14F-4D97-AF65-F5344CB8AC3E}">
+        <p14:creationId xmlns:p14="http://schemas.microsoft.com/office/powerpoint/2010/main" val="475566089"/>
+      </p:ext>
+    </p:extLst>
+  </p:cSld>
+  <p:clrMapOvr>
+    <a:masterClrMapping/>
+  </p:clrMapOvr>
+  <mc:AlternateContent xmlns:mc="http://schemas.openxmlformats.org/markup-compatibility/2006" xmlns:p14="http://schemas.microsoft.com/office/powerpoint/2010/main">
+    <mc:Choice Requires="p14">
+      <p:transition p14:dur="0"/>
+    </mc:Choice>
+    <mc:Fallback xmlns="">
+      <p:transition/>
+    </mc:Fallback>
+  </mc:AlternateContent>
+</p:sld>
+</file>
+
+<file path=ppt/slides/slide22.xml><?xml version="1.0" encoding="utf-8"?>
+<p:sld xmlns:a="http://schemas.openxmlformats.org/drawingml/2006/main" xmlns:r="http://schemas.openxmlformats.org/officeDocument/2006/relationships" xmlns:p="http://schemas.openxmlformats.org/presentationml/2006/main">
+  <p:cSld>
+    <p:spTree>
+      <p:nvGrpSpPr>
+        <p:cNvPr id="1" name=""/>
+        <p:cNvGrpSpPr/>
+        <p:nvPr/>
+      </p:nvGrpSpPr>
+      <p:grpSpPr>
+        <a:xfrm>
+          <a:off x="0" y="0"/>
+          <a:ext cx="0" cy="0"/>
+          <a:chOff x="0" y="0"/>
+          <a:chExt cx="0" cy="0"/>
+        </a:xfrm>
+      </p:grpSpPr>
+      <p:sp>
+        <p:nvSpPr>
+          <p:cNvPr id="2" name="Title 1"/>
+          <p:cNvSpPr>
+            <a:spLocks noGrp="1"/>
+          </p:cNvSpPr>
+          <p:nvPr>
+            <p:ph type="title"/>
+          </p:nvPr>
+        </p:nvSpPr>
+        <p:spPr/>
+        <p:txBody>
+          <a:bodyPr/>
+          <a:lstStyle/>
+          <a:p>
+            <a:r>
+              <a:rPr lang="en-CA" dirty="0" smtClean="0"/>
               <a:t>References</a:t>
             </a:r>
             <a:endParaRPr lang="en-CA" dirty="0"/>
@@ -6023,7 +6099,6 @@
               <a:rPr lang="en-CA" dirty="0" smtClean="0"/>
               <a:t> </a:t>
             </a:r>
-            <a:endParaRPr lang="en-CA" dirty="0" smtClean="0"/>
           </a:p>
           <a:p>
             <a:pPr marL="457200" indent="-457200">
@@ -6509,25 +6584,8 @@
           <a:p>
             <a:r>
               <a:rPr lang="en-CA" dirty="0" smtClean="0"/>
-              <a:t>A programmer wrote the following function for a math library. Come up with </a:t>
-            </a:r>
-            <a:r>
-              <a:rPr lang="en-CA" dirty="0" smtClean="0"/>
-              <a:t>some</a:t>
-            </a:r>
-            <a:r>
-              <a:rPr lang="en-CA" dirty="0" smtClean="0"/>
-              <a:t> </a:t>
-            </a:r>
-            <a:r>
-              <a:rPr lang="en-CA" dirty="0" smtClean="0"/>
-              <a:t>test cases for the function defined below</a:t>
-            </a:r>
-            <a:r>
-              <a:rPr lang="en-CA" dirty="0" smtClean="0"/>
-              <a:t>. Hint: there can be up to 21</a:t>
-            </a:r>
-            <a:endParaRPr lang="en-CA" dirty="0" smtClean="0"/>
+              <a:t>A programmer wrote the following function for a math library. Come up with some test cases for the function defined below. Hint: there can be up to 21</a:t>
+            </a:r>
           </a:p>
           <a:p>
             <a:endParaRPr lang="en-CA" dirty="0"/>
@@ -6616,6 +6674,122 @@
           <a:p>
             <a:r>
               <a:rPr lang="en-CA" dirty="0" smtClean="0"/>
+              <a:t>Triangle Example</a:t>
+            </a:r>
+            <a:endParaRPr lang="en-CA" dirty="0"/>
+          </a:p>
+        </p:txBody>
+      </p:sp>
+      <p:sp>
+        <p:nvSpPr>
+          <p:cNvPr id="3" name="Content Placeholder 2"/>
+          <p:cNvSpPr>
+            <a:spLocks noGrp="1"/>
+          </p:cNvSpPr>
+          <p:nvPr>
+            <p:ph idx="1"/>
+          </p:nvPr>
+        </p:nvSpPr>
+        <p:spPr/>
+        <p:txBody>
+          <a:bodyPr/>
+          <a:lstStyle/>
+          <a:p>
+            <a:r>
+              <a:rPr lang="en-CA" dirty="0" smtClean="0"/>
+              <a:t>But my program would never send negative numbers, do I still have to test?</a:t>
+            </a:r>
+          </a:p>
+          <a:p>
+            <a:endParaRPr lang="en-CA" dirty="0"/>
+          </a:p>
+          <a:p>
+            <a:r>
+              <a:rPr lang="en-CA" dirty="0" smtClean="0"/>
+              <a:t>YES!</a:t>
+            </a:r>
+          </a:p>
+          <a:p>
+            <a:endParaRPr lang="en-CA" dirty="0"/>
+          </a:p>
+          <a:p>
+            <a:r>
+              <a:rPr lang="en-CA" dirty="0" smtClean="0"/>
+              <a:t>Unit tests </a:t>
+            </a:r>
+            <a:r>
+              <a:rPr lang="en-CA" smtClean="0"/>
+              <a:t>make no </a:t>
+            </a:r>
+            <a:r>
+              <a:rPr lang="en-CA" dirty="0" smtClean="0"/>
+              <a:t>assumptions</a:t>
+            </a:r>
+            <a:endParaRPr lang="en-CA" dirty="0" smtClean="0"/>
+          </a:p>
+          <a:p>
+            <a:endParaRPr lang="en-CA" dirty="0"/>
+          </a:p>
+          <a:p>
+            <a:endParaRPr lang="en-CA" dirty="0"/>
+          </a:p>
+        </p:txBody>
+      </p:sp>
+    </p:spTree>
+    <p:extLst>
+      <p:ext uri="{BB962C8B-B14F-4D97-AF65-F5344CB8AC3E}">
+        <p14:creationId xmlns:p14="http://schemas.microsoft.com/office/powerpoint/2010/main" val="3188759367"/>
+      </p:ext>
+    </p:extLst>
+  </p:cSld>
+  <p:clrMapOvr>
+    <a:masterClrMapping/>
+  </p:clrMapOvr>
+  <mc:AlternateContent xmlns:mc="http://schemas.openxmlformats.org/markup-compatibility/2006">
+    <mc:Choice xmlns:p14="http://schemas.microsoft.com/office/powerpoint/2010/main" Requires="p14">
+      <p:transition p14:dur="0"/>
+    </mc:Choice>
+    <mc:Fallback>
+      <p:transition/>
+    </mc:Fallback>
+  </mc:AlternateContent>
+</p:sld>
+</file>
+
+<file path=ppt/slides/slide8.xml><?xml version="1.0" encoding="utf-8"?>
+<p:sld xmlns:a="http://schemas.openxmlformats.org/drawingml/2006/main" xmlns:r="http://schemas.openxmlformats.org/officeDocument/2006/relationships" xmlns:p="http://schemas.openxmlformats.org/presentationml/2006/main">
+  <p:cSld>
+    <p:spTree>
+      <p:nvGrpSpPr>
+        <p:cNvPr id="1" name=""/>
+        <p:cNvGrpSpPr/>
+        <p:nvPr/>
+      </p:nvGrpSpPr>
+      <p:grpSpPr>
+        <a:xfrm>
+          <a:off x="0" y="0"/>
+          <a:ext cx="0" cy="0"/>
+          <a:chOff x="0" y="0"/>
+          <a:chExt cx="0" cy="0"/>
+        </a:xfrm>
+      </p:grpSpPr>
+      <p:sp>
+        <p:nvSpPr>
+          <p:cNvPr id="2" name="Title 1"/>
+          <p:cNvSpPr>
+            <a:spLocks noGrp="1"/>
+          </p:cNvSpPr>
+          <p:nvPr>
+            <p:ph type="title"/>
+          </p:nvPr>
+        </p:nvSpPr>
+        <p:spPr/>
+        <p:txBody>
+          <a:bodyPr/>
+          <a:lstStyle/>
+          <a:p>
+            <a:r>
+              <a:rPr lang="en-CA" dirty="0" smtClean="0"/>
               <a:t>Behavioral Test (state)</a:t>
             </a:r>
             <a:endParaRPr lang="en-CA" dirty="0"/>
@@ -6669,7 +6843,7 @@
 </p:sld>
 </file>
 
-<file path=ppt/slides/slide8.xml><?xml version="1.0" encoding="utf-8"?>
+<file path=ppt/slides/slide9.xml><?xml version="1.0" encoding="utf-8"?>
 <p:sld xmlns:a="http://schemas.openxmlformats.org/drawingml/2006/main" xmlns:r="http://schemas.openxmlformats.org/officeDocument/2006/relationships" xmlns:p="http://schemas.openxmlformats.org/presentationml/2006/main">
   <p:cSld>
     <p:spTree>
@@ -6739,93 +6913,6 @@
     <p:extLst>
       <p:ext uri="{BB962C8B-B14F-4D97-AF65-F5344CB8AC3E}">
         <p14:creationId xmlns:p14="http://schemas.microsoft.com/office/powerpoint/2010/main" val="52313072"/>
-      </p:ext>
-    </p:extLst>
-  </p:cSld>
-  <p:clrMapOvr>
-    <a:masterClrMapping/>
-  </p:clrMapOvr>
-  <mc:AlternateContent xmlns:mc="http://schemas.openxmlformats.org/markup-compatibility/2006" xmlns:p14="http://schemas.microsoft.com/office/powerpoint/2010/main">
-    <mc:Choice Requires="p14">
-      <p:transition p14:dur="0"/>
-    </mc:Choice>
-    <mc:Fallback xmlns="">
-      <p:transition/>
-    </mc:Fallback>
-  </mc:AlternateContent>
-</p:sld>
-</file>
-
-<file path=ppt/slides/slide9.xml><?xml version="1.0" encoding="utf-8"?>
-<p:sld xmlns:a="http://schemas.openxmlformats.org/drawingml/2006/main" xmlns:r="http://schemas.openxmlformats.org/officeDocument/2006/relationships" xmlns:p="http://schemas.openxmlformats.org/presentationml/2006/main">
-  <p:cSld>
-    <p:spTree>
-      <p:nvGrpSpPr>
-        <p:cNvPr id="1" name=""/>
-        <p:cNvGrpSpPr/>
-        <p:nvPr/>
-      </p:nvGrpSpPr>
-      <p:grpSpPr>
-        <a:xfrm>
-          <a:off x="0" y="0"/>
-          <a:ext cx="0" cy="0"/>
-          <a:chOff x="0" y="0"/>
-          <a:chExt cx="0" cy="0"/>
-        </a:xfrm>
-      </p:grpSpPr>
-      <p:sp>
-        <p:nvSpPr>
-          <p:cNvPr id="2" name="Title 1"/>
-          <p:cNvSpPr>
-            <a:spLocks noGrp="1"/>
-          </p:cNvSpPr>
-          <p:nvPr>
-            <p:ph type="title"/>
-          </p:nvPr>
-        </p:nvSpPr>
-        <p:spPr/>
-        <p:txBody>
-          <a:bodyPr/>
-          <a:lstStyle/>
-          <a:p>
-            <a:r>
-              <a:rPr lang="en-CA" dirty="0" smtClean="0"/>
-              <a:t>Integration Testing</a:t>
-            </a:r>
-            <a:endParaRPr lang="en-CA" dirty="0"/>
-          </a:p>
-        </p:txBody>
-      </p:sp>
-      <p:pic>
-        <p:nvPicPr>
-          <p:cNvPr id="3" name="Content Placeholder 2"/>
-          <p:cNvPicPr>
-            <a:picLocks noGrp="1" noChangeAspect="1"/>
-          </p:cNvPicPr>
-          <p:nvPr>
-            <p:ph idx="1"/>
-          </p:nvPr>
-        </p:nvPicPr>
-        <p:blipFill>
-          <a:blip r:embed="rId2"/>
-          <a:stretch>
-            <a:fillRect/>
-          </a:stretch>
-        </p:blipFill>
-        <p:spPr>
-          <a:xfrm>
-            <a:off x="3452343" y="2157731"/>
-            <a:ext cx="4312561" cy="4028052"/>
-          </a:xfrm>
-          <a:prstGeom prst="rect">
-            <a:avLst/>
-          </a:prstGeom>
-        </p:spPr>
-      </p:pic>
-    </p:spTree>
-    <p:extLst>
-      <p:ext uri="{BB962C8B-B14F-4D97-AF65-F5344CB8AC3E}">
-        <p14:creationId xmlns:p14="http://schemas.microsoft.com/office/powerpoint/2010/main" val="1469325909"/>
       </p:ext>
     </p:extLst>
   </p:cSld>
@@ -7342,18 +7429,18 @@
 </file>
 
 <file path=customXml/item1.xml><?xml version="1.0" encoding="utf-8"?>
-<p:properties xmlns:p="http://schemas.microsoft.com/office/2006/metadata/properties" xmlns:xsi="http://www.w3.org/2001/XMLSchema-instance" xmlns:pc="http://schemas.microsoft.com/office/infopath/2007/PartnerControls">
-  <documentManagement/>
-</p:properties>
-</file>
-
-<file path=customXml/item2.xml><?xml version="1.0" encoding="utf-8"?>
 <?mso-contentType ?>
 <FormTemplates xmlns="http://schemas.microsoft.com/sharepoint/v3/contenttype/forms">
   <Display>DocumentLibraryForm</Display>
   <Edit>DocumentLibraryForm</Edit>
   <New>DocumentLibraryForm</New>
 </FormTemplates>
+</file>
+
+<file path=customXml/item2.xml><?xml version="1.0" encoding="utf-8"?>
+<p:properties xmlns:p="http://schemas.microsoft.com/office/2006/metadata/properties" xmlns:xsi="http://www.w3.org/2001/XMLSchema-instance" xmlns:pc="http://schemas.microsoft.com/office/infopath/2007/PartnerControls">
+  <documentManagement/>
+</p:properties>
 </file>
 
 <file path=customXml/item3.xml><?xml version="1.0" encoding="utf-8"?>
@@ -7471,6 +7558,14 @@
 </file>
 
 <file path=customXml/itemProps1.xml><?xml version="1.0" encoding="utf-8"?>
+<ds:datastoreItem xmlns:ds="http://schemas.openxmlformats.org/officeDocument/2006/customXml" ds:itemID="{76B64549-C1F2-49EA-8B2D-5EF61BF1CE56}">
+  <ds:schemaRefs>
+    <ds:schemaRef ds:uri="http://schemas.microsoft.com/sharepoint/v3/contenttype/forms"/>
+  </ds:schemaRefs>
+</ds:datastoreItem>
+</file>
+
+<file path=customXml/itemProps2.xml><?xml version="1.0" encoding="utf-8"?>
 <ds:datastoreItem xmlns:ds="http://schemas.openxmlformats.org/officeDocument/2006/customXml" ds:itemID="{FF71E0A8-DA6F-4DC5-84AA-9AE90625C277}">
   <ds:schemaRefs>
     <ds:schemaRef ds:uri="http://www.w3.org/XML/1998/namespace"/>
@@ -7481,14 +7576,6 @@
     <ds:schemaRef ds:uri="http://schemas.microsoft.com/office/2006/documentManagement/types"/>
     <ds:schemaRef ds:uri="http://purl.org/dc/elements/1.1/"/>
     <ds:schemaRef ds:uri="http://schemas.microsoft.com/office/2006/metadata/properties"/>
-  </ds:schemaRefs>
-</ds:datastoreItem>
-</file>
-
-<file path=customXml/itemProps2.xml><?xml version="1.0" encoding="utf-8"?>
-<ds:datastoreItem xmlns:ds="http://schemas.openxmlformats.org/officeDocument/2006/customXml" ds:itemID="{76B64549-C1F2-49EA-8B2D-5EF61BF1CE56}">
-  <ds:schemaRefs>
-    <ds:schemaRef ds:uri="http://schemas.microsoft.com/sharepoint/v3/contenttype/forms"/>
   </ds:schemaRefs>
 </ds:datastoreItem>
 </file>
